--- a/200128 - Ignite Tour @Milan/THR40003/THR40003 Multi-tenant Full-Text search and data consolidation with Azure Search and SQL Database.pptx
+++ b/200128 - Ignite Tour @Milan/THR40003/THR40003 Multi-tenant Full-Text search and data consolidation with Azure Search and SQL Database.pptx
@@ -7,15 +7,19 @@
     <p:sldMasterId id="2147484872" r:id="rId6"/>
   </p:sldMasterIdLst>
   <p:notesMasterIdLst>
-    <p:notesMasterId r:id="rId10"/>
+    <p:notesMasterId r:id="rId14"/>
   </p:notesMasterIdLst>
   <p:handoutMasterIdLst>
-    <p:handoutMasterId r:id="rId11"/>
+    <p:handoutMasterId r:id="rId15"/>
   </p:handoutMasterIdLst>
   <p:sldIdLst>
     <p:sldId id="1720" r:id="rId7"/>
     <p:sldId id="2046" r:id="rId8"/>
-    <p:sldId id="2047" r:id="rId9"/>
+    <p:sldId id="2048" r:id="rId9"/>
+    <p:sldId id="2049" r:id="rId10"/>
+    <p:sldId id="2050" r:id="rId11"/>
+    <p:sldId id="2051" r:id="rId12"/>
+    <p:sldId id="2047" r:id="rId13"/>
   </p:sldIdLst>
   <p:sldSz cx="12192000" cy="6858000"/>
   <p:notesSz cx="6858000" cy="9144000"/>
@@ -121,6 +125,10 @@
           <p14:sldIdLst>
             <p14:sldId id="1720"/>
             <p14:sldId id="2046"/>
+            <p14:sldId id="2048"/>
+            <p14:sldId id="2049"/>
+            <p14:sldId id="2050"/>
+            <p14:sldId id="2051"/>
             <p14:sldId id="2047"/>
           </p14:sldIdLst>
         </p14:section>
@@ -267,7 +275,7 @@
               <a:rPr lang="en-US" smtClean="0">
                 <a:latin typeface="Segoe UI" pitchFamily="34" charset="0"/>
               </a:rPr>
-              <a:t>1/26/2020 9:50 PM</a:t>
+              <a:t>1/28/2020 12:28 PM</a:t>
             </a:fld>
             <a:endParaRPr lang="en-US" dirty="0">
               <a:latin typeface="Segoe UI" pitchFamily="34" charset="0"/>
@@ -545,7 +553,7 @@
           <a:p>
             <a:fld id="{386CE63F-9E7F-4C04-9D0D-FCA25A8E9E86}" type="datetime8">
               <a:rPr lang="en-US" smtClean="0"/>
-              <a:t>1/26/2020 9:50 PM</a:t>
+              <a:t>1/28/2020 11:48 AM</a:t>
             </a:fld>
             <a:endParaRPr lang="en-US" dirty="0"/>
           </a:p>
@@ -912,7 +920,7 @@
           <a:p>
             <a:fld id="{62072DC8-D49D-432C-9D46-A7718B5F5490}" type="datetime8">
               <a:rPr lang="en-US" smtClean="0"/>
-              <a:t>1/26/2020 9:50 PM</a:t>
+              <a:t>1/28/2020 11:48 AM</a:t>
             </a:fld>
             <a:endParaRPr lang="en-US" dirty="0"/>
           </a:p>
@@ -35620,6 +35628,1067 @@
       </p:grpSpPr>
       <p:sp>
         <p:nvSpPr>
+          <p:cNvPr id="2" name="Title 1">
+            <a:extLst>
+              <a:ext uri="{FF2B5EF4-FFF2-40B4-BE49-F238E27FC236}">
+                <a16:creationId xmlns:a16="http://schemas.microsoft.com/office/drawing/2014/main" id="{DC5F02BA-B05E-440C-9FDA-407172721C17}"/>
+              </a:ext>
+            </a:extLst>
+          </p:cNvPr>
+          <p:cNvSpPr>
+            <a:spLocks noGrp="1"/>
+          </p:cNvSpPr>
+          <p:nvPr>
+            <p:ph type="title"/>
+          </p:nvPr>
+        </p:nvSpPr>
+        <p:spPr/>
+        <p:txBody>
+          <a:bodyPr/>
+          <a:lstStyle/>
+          <a:p>
+            <a:r>
+              <a:rPr lang="it-IT" dirty="0"/>
+              <a:t>Context</a:t>
+            </a:r>
+            <a:endParaRPr lang="en-US" dirty="0"/>
+          </a:p>
+        </p:txBody>
+      </p:sp>
+      <p:sp>
+        <p:nvSpPr>
+          <p:cNvPr id="3" name="Text Placeholder 2">
+            <a:extLst>
+              <a:ext uri="{FF2B5EF4-FFF2-40B4-BE49-F238E27FC236}">
+                <a16:creationId xmlns:a16="http://schemas.microsoft.com/office/drawing/2014/main" id="{AD36EBAA-A207-4C91-8DCC-6E265ACD0C1A}"/>
+              </a:ext>
+            </a:extLst>
+          </p:cNvPr>
+          <p:cNvSpPr>
+            <a:spLocks noGrp="1"/>
+          </p:cNvSpPr>
+          <p:nvPr>
+            <p:ph type="body" sz="quarter" idx="12"/>
+          </p:nvPr>
+        </p:nvSpPr>
+        <p:spPr/>
+        <p:txBody>
+          <a:bodyPr/>
+          <a:lstStyle/>
+          <a:p>
+            <a:endParaRPr lang="en-US" dirty="0"/>
+          </a:p>
+        </p:txBody>
+      </p:sp>
+    </p:spTree>
+    <p:extLst>
+      <p:ext uri="{BB962C8B-B14F-4D97-AF65-F5344CB8AC3E}">
+        <p14:creationId xmlns:p14="http://schemas.microsoft.com/office/powerpoint/2010/main" val="595999412"/>
+      </p:ext>
+    </p:extLst>
+  </p:cSld>
+  <p:clrMapOvr>
+    <a:masterClrMapping/>
+  </p:clrMapOvr>
+  <mc:AlternateContent xmlns:mc="http://schemas.openxmlformats.org/markup-compatibility/2006" xmlns:p14="http://schemas.microsoft.com/office/powerpoint/2010/main">
+    <mc:Choice Requires="p14">
+      <p:transition spd="med" p14:dur="700">
+        <p:fade/>
+      </p:transition>
+    </mc:Choice>
+    <mc:Fallback xmlns="">
+      <p:transition spd="med">
+        <p:fade/>
+      </p:transition>
+    </mc:Fallback>
+  </mc:AlternateContent>
+</p:sld>
+</file>
+
+<file path=ppt/slides/slide4.xml><?xml version="1.0" encoding="utf-8"?>
+<p:sld xmlns:a="http://schemas.openxmlformats.org/drawingml/2006/main" xmlns:r="http://schemas.openxmlformats.org/officeDocument/2006/relationships" xmlns:p="http://schemas.openxmlformats.org/presentationml/2006/main">
+  <p:cSld>
+    <p:spTree>
+      <p:nvGrpSpPr>
+        <p:cNvPr id="1" name=""/>
+        <p:cNvGrpSpPr/>
+        <p:nvPr/>
+      </p:nvGrpSpPr>
+      <p:grpSpPr>
+        <a:xfrm>
+          <a:off x="0" y="0"/>
+          <a:ext cx="0" cy="0"/>
+          <a:chOff x="0" y="0"/>
+          <a:chExt cx="0" cy="0"/>
+        </a:xfrm>
+      </p:grpSpPr>
+      <p:sp>
+        <p:nvSpPr>
+          <p:cNvPr id="2" name="Title 1">
+            <a:extLst>
+              <a:ext uri="{FF2B5EF4-FFF2-40B4-BE49-F238E27FC236}">
+                <a16:creationId xmlns:a16="http://schemas.microsoft.com/office/drawing/2014/main" id="{5B0F781B-0A6E-42EC-9F8E-E0F35A4261B0}"/>
+              </a:ext>
+            </a:extLst>
+          </p:cNvPr>
+          <p:cNvSpPr>
+            <a:spLocks noGrp="1"/>
+          </p:cNvSpPr>
+          <p:nvPr>
+            <p:ph type="title"/>
+          </p:nvPr>
+        </p:nvSpPr>
+        <p:spPr>
+          <a:xfrm>
+            <a:off x="585216" y="893705"/>
+            <a:ext cx="5510784" cy="498598"/>
+          </a:xfrm>
+        </p:spPr>
+        <p:txBody>
+          <a:bodyPr/>
+          <a:lstStyle/>
+          <a:p>
+            <a:r>
+              <a:rPr lang="it-IT" dirty="0"/>
+              <a:t>Traditional approach</a:t>
+            </a:r>
+            <a:endParaRPr lang="en-US" dirty="0"/>
+          </a:p>
+        </p:txBody>
+      </p:sp>
+      <p:sp>
+        <p:nvSpPr>
+          <p:cNvPr id="3" name="Text Placeholder 2">
+            <a:extLst>
+              <a:ext uri="{FF2B5EF4-FFF2-40B4-BE49-F238E27FC236}">
+                <a16:creationId xmlns:a16="http://schemas.microsoft.com/office/drawing/2014/main" id="{2733D0C9-B4C0-4D49-AB56-77E8E65D7CB5}"/>
+              </a:ext>
+            </a:extLst>
+          </p:cNvPr>
+          <p:cNvSpPr>
+            <a:spLocks noGrp="1"/>
+          </p:cNvSpPr>
+          <p:nvPr>
+            <p:ph type="body" sz="quarter" idx="12"/>
+          </p:nvPr>
+        </p:nvSpPr>
+        <p:spPr>
+          <a:xfrm>
+            <a:off x="585216" y="1767006"/>
+            <a:ext cx="5510784" cy="3323987"/>
+          </a:xfrm>
+        </p:spPr>
+        <p:txBody>
+          <a:bodyPr/>
+          <a:lstStyle/>
+          <a:p>
+            <a:r>
+              <a:rPr lang="en-US" sz="2400" dirty="0">
+                <a:solidFill>
+                  <a:srgbClr val="0000FF"/>
+                </a:solidFill>
+                <a:highlight>
+                  <a:srgbClr val="FFFFFF"/>
+                </a:highlight>
+                <a:latin typeface="Consolas" panose="020B0609020204030204" pitchFamily="49" charset="0"/>
+              </a:rPr>
+              <a:t>SELECT</a:t>
+            </a:r>
+            <a:r>
+              <a:rPr lang="en-US" sz="2400" dirty="0">
+                <a:solidFill>
+                  <a:srgbClr val="000000"/>
+                </a:solidFill>
+                <a:highlight>
+                  <a:srgbClr val="FFFFFF"/>
+                </a:highlight>
+                <a:latin typeface="Consolas" panose="020B0609020204030204" pitchFamily="49" charset="0"/>
+              </a:rPr>
+              <a:t> </a:t>
+            </a:r>
+            <a:r>
+              <a:rPr lang="en-US" sz="2400" dirty="0">
+                <a:solidFill>
+                  <a:srgbClr val="808080"/>
+                </a:solidFill>
+                <a:highlight>
+                  <a:srgbClr val="FFFFFF"/>
+                </a:highlight>
+                <a:latin typeface="Consolas" panose="020B0609020204030204" pitchFamily="49" charset="0"/>
+              </a:rPr>
+              <a:t>*</a:t>
+            </a:r>
+            <a:endParaRPr lang="en-US" sz="2400" dirty="0">
+              <a:solidFill>
+                <a:srgbClr val="000000"/>
+              </a:solidFill>
+              <a:highlight>
+                <a:srgbClr val="FFFFFF"/>
+              </a:highlight>
+              <a:latin typeface="Consolas" panose="020B0609020204030204" pitchFamily="49" charset="0"/>
+            </a:endParaRPr>
+          </a:p>
+          <a:p>
+            <a:r>
+              <a:rPr lang="en-US" sz="2400" dirty="0">
+                <a:solidFill>
+                  <a:srgbClr val="000000"/>
+                </a:solidFill>
+                <a:highlight>
+                  <a:srgbClr val="FFFFFF"/>
+                </a:highlight>
+                <a:latin typeface="Consolas" panose="020B0609020204030204" pitchFamily="49" charset="0"/>
+              </a:rPr>
+              <a:t>  </a:t>
+            </a:r>
+            <a:r>
+              <a:rPr lang="en-US" sz="2400" dirty="0">
+                <a:solidFill>
+                  <a:srgbClr val="0000FF"/>
+                </a:solidFill>
+                <a:highlight>
+                  <a:srgbClr val="FFFFFF"/>
+                </a:highlight>
+                <a:latin typeface="Consolas" panose="020B0609020204030204" pitchFamily="49" charset="0"/>
+              </a:rPr>
+              <a:t>FROM</a:t>
+            </a:r>
+            <a:r>
+              <a:rPr lang="en-US" sz="2400" dirty="0">
+                <a:solidFill>
+                  <a:srgbClr val="000000"/>
+                </a:solidFill>
+                <a:highlight>
+                  <a:srgbClr val="FFFFFF"/>
+                </a:highlight>
+                <a:latin typeface="Consolas" panose="020B0609020204030204" pitchFamily="49" charset="0"/>
+              </a:rPr>
+              <a:t> [</a:t>
+            </a:r>
+            <a:r>
+              <a:rPr lang="en-US" sz="2400" dirty="0" err="1">
+                <a:solidFill>
+                  <a:srgbClr val="000000"/>
+                </a:solidFill>
+                <a:highlight>
+                  <a:srgbClr val="FFFFFF"/>
+                </a:highlight>
+                <a:latin typeface="Consolas" panose="020B0609020204030204" pitchFamily="49" charset="0"/>
+              </a:rPr>
+              <a:t>dbo</a:t>
+            </a:r>
+            <a:r>
+              <a:rPr lang="en-US" sz="2400" dirty="0">
+                <a:solidFill>
+                  <a:srgbClr val="000000"/>
+                </a:solidFill>
+                <a:highlight>
+                  <a:srgbClr val="FFFFFF"/>
+                </a:highlight>
+                <a:latin typeface="Consolas" panose="020B0609020204030204" pitchFamily="49" charset="0"/>
+              </a:rPr>
+              <a:t>]</a:t>
+            </a:r>
+            <a:r>
+              <a:rPr lang="en-US" sz="2400" dirty="0">
+                <a:solidFill>
+                  <a:srgbClr val="808080"/>
+                </a:solidFill>
+                <a:highlight>
+                  <a:srgbClr val="FFFFFF"/>
+                </a:highlight>
+                <a:latin typeface="Consolas" panose="020B0609020204030204" pitchFamily="49" charset="0"/>
+              </a:rPr>
+              <a:t>.</a:t>
+            </a:r>
+            <a:r>
+              <a:rPr lang="en-US" sz="2400" dirty="0">
+                <a:solidFill>
+                  <a:srgbClr val="000000"/>
+                </a:solidFill>
+                <a:highlight>
+                  <a:srgbClr val="FFFFFF"/>
+                </a:highlight>
+                <a:latin typeface="Consolas" panose="020B0609020204030204" pitchFamily="49" charset="0"/>
+              </a:rPr>
+              <a:t>[Applications]</a:t>
+            </a:r>
+          </a:p>
+          <a:p>
+            <a:r>
+              <a:rPr lang="en-US" sz="2400" dirty="0">
+                <a:solidFill>
+                  <a:srgbClr val="000000"/>
+                </a:solidFill>
+                <a:highlight>
+                  <a:srgbClr val="FFFFFF"/>
+                </a:highlight>
+                <a:latin typeface="Consolas" panose="020B0609020204030204" pitchFamily="49" charset="0"/>
+              </a:rPr>
+              <a:t>  </a:t>
+            </a:r>
+            <a:r>
+              <a:rPr lang="en-US" sz="2400" dirty="0">
+                <a:solidFill>
+                  <a:srgbClr val="0000FF"/>
+                </a:solidFill>
+                <a:highlight>
+                  <a:srgbClr val="FFFFFF"/>
+                </a:highlight>
+                <a:latin typeface="Consolas" panose="020B0609020204030204" pitchFamily="49" charset="0"/>
+              </a:rPr>
+              <a:t>WHERE</a:t>
+            </a:r>
+            <a:r>
+              <a:rPr lang="en-US" sz="2400" dirty="0">
+                <a:solidFill>
+                  <a:srgbClr val="000000"/>
+                </a:solidFill>
+                <a:highlight>
+                  <a:srgbClr val="FFFFFF"/>
+                </a:highlight>
+                <a:latin typeface="Consolas" panose="020B0609020204030204" pitchFamily="49" charset="0"/>
+              </a:rPr>
+              <a:t> </a:t>
+            </a:r>
+          </a:p>
+          <a:p>
+            <a:r>
+              <a:rPr lang="en-US" sz="2400" dirty="0">
+                <a:solidFill>
+                  <a:srgbClr val="808080"/>
+                </a:solidFill>
+                <a:highlight>
+                  <a:srgbClr val="FFFFFF"/>
+                </a:highlight>
+                <a:latin typeface="Consolas" panose="020B0609020204030204" pitchFamily="49" charset="0"/>
+              </a:rPr>
+              <a:t>(</a:t>
+            </a:r>
+            <a:r>
+              <a:rPr lang="en-US" sz="2400" dirty="0" err="1">
+                <a:solidFill>
+                  <a:srgbClr val="000000"/>
+                </a:solidFill>
+                <a:highlight>
+                  <a:srgbClr val="FFFFFF"/>
+                </a:highlight>
+                <a:latin typeface="Consolas" panose="020B0609020204030204" pitchFamily="49" charset="0"/>
+              </a:rPr>
+              <a:t>AppName</a:t>
+            </a:r>
+            <a:r>
+              <a:rPr lang="en-US" sz="2400" dirty="0">
+                <a:solidFill>
+                  <a:srgbClr val="000000"/>
+                </a:solidFill>
+                <a:highlight>
+                  <a:srgbClr val="FFFFFF"/>
+                </a:highlight>
+                <a:latin typeface="Consolas" panose="020B0609020204030204" pitchFamily="49" charset="0"/>
+              </a:rPr>
+              <a:t> </a:t>
+            </a:r>
+            <a:r>
+              <a:rPr lang="en-US" sz="2400" dirty="0">
+                <a:solidFill>
+                  <a:srgbClr val="808080"/>
+                </a:solidFill>
+                <a:highlight>
+                  <a:srgbClr val="FFFFFF"/>
+                </a:highlight>
+                <a:latin typeface="Consolas" panose="020B0609020204030204" pitchFamily="49" charset="0"/>
+              </a:rPr>
+              <a:t>like</a:t>
+            </a:r>
+            <a:r>
+              <a:rPr lang="en-US" sz="2400" dirty="0">
+                <a:solidFill>
+                  <a:srgbClr val="000000"/>
+                </a:solidFill>
+                <a:highlight>
+                  <a:srgbClr val="FFFFFF"/>
+                </a:highlight>
+                <a:latin typeface="Consolas" panose="020B0609020204030204" pitchFamily="49" charset="0"/>
+              </a:rPr>
+              <a:t> </a:t>
+            </a:r>
+            <a:r>
+              <a:rPr lang="en-US" sz="2400" dirty="0">
+                <a:solidFill>
+                  <a:srgbClr val="FF0000"/>
+                </a:solidFill>
+                <a:highlight>
+                  <a:srgbClr val="FFFFFF"/>
+                </a:highlight>
+                <a:latin typeface="Consolas" panose="020B0609020204030204" pitchFamily="49" charset="0"/>
+              </a:rPr>
+              <a:t>'%free%'</a:t>
+            </a:r>
+            <a:r>
+              <a:rPr lang="en-US" sz="2400" dirty="0">
+                <a:solidFill>
+                  <a:srgbClr val="000000"/>
+                </a:solidFill>
+                <a:highlight>
+                  <a:srgbClr val="FFFFFF"/>
+                </a:highlight>
+                <a:latin typeface="Consolas" panose="020B0609020204030204" pitchFamily="49" charset="0"/>
+              </a:rPr>
+              <a:t> </a:t>
+            </a:r>
+          </a:p>
+          <a:p>
+            <a:r>
+              <a:rPr lang="en-US" sz="2400" dirty="0">
+                <a:solidFill>
+                  <a:srgbClr val="808080"/>
+                </a:solidFill>
+                <a:highlight>
+                  <a:srgbClr val="FFFFFF"/>
+                </a:highlight>
+                <a:latin typeface="Consolas" panose="020B0609020204030204" pitchFamily="49" charset="0"/>
+              </a:rPr>
+              <a:t>OR</a:t>
+            </a:r>
+            <a:r>
+              <a:rPr lang="en-US" sz="2400" dirty="0">
+                <a:solidFill>
+                  <a:srgbClr val="000000"/>
+                </a:solidFill>
+                <a:highlight>
+                  <a:srgbClr val="FFFFFF"/>
+                </a:highlight>
+                <a:latin typeface="Consolas" panose="020B0609020204030204" pitchFamily="49" charset="0"/>
+              </a:rPr>
+              <a:t> </a:t>
+            </a:r>
+            <a:r>
+              <a:rPr lang="en-US" sz="2400" dirty="0" err="1">
+                <a:solidFill>
+                  <a:srgbClr val="000000"/>
+                </a:solidFill>
+                <a:highlight>
+                  <a:srgbClr val="FFFFFF"/>
+                </a:highlight>
+                <a:latin typeface="Consolas" panose="020B0609020204030204" pitchFamily="49" charset="0"/>
+              </a:rPr>
+              <a:t>AppType</a:t>
+            </a:r>
+            <a:r>
+              <a:rPr lang="en-US" sz="2400" dirty="0">
+                <a:solidFill>
+                  <a:srgbClr val="808080"/>
+                </a:solidFill>
+                <a:highlight>
+                  <a:srgbClr val="FFFFFF"/>
+                </a:highlight>
+                <a:latin typeface="Consolas" panose="020B0609020204030204" pitchFamily="49" charset="0"/>
+              </a:rPr>
+              <a:t>=</a:t>
+            </a:r>
+            <a:r>
+              <a:rPr lang="en-US" sz="2400" dirty="0">
+                <a:solidFill>
+                  <a:srgbClr val="000000"/>
+                </a:solidFill>
+                <a:highlight>
+                  <a:srgbClr val="FFFFFF"/>
+                </a:highlight>
+                <a:latin typeface="Consolas" panose="020B0609020204030204" pitchFamily="49" charset="0"/>
+              </a:rPr>
+              <a:t>0</a:t>
+            </a:r>
+            <a:r>
+              <a:rPr lang="en-US" sz="2400" dirty="0">
+                <a:solidFill>
+                  <a:srgbClr val="808080"/>
+                </a:solidFill>
+                <a:highlight>
+                  <a:srgbClr val="FFFFFF"/>
+                </a:highlight>
+                <a:latin typeface="Consolas" panose="020B0609020204030204" pitchFamily="49" charset="0"/>
+              </a:rPr>
+              <a:t>)</a:t>
+            </a:r>
+            <a:r>
+              <a:rPr lang="en-US" sz="2400" dirty="0">
+                <a:solidFill>
+                  <a:srgbClr val="000000"/>
+                </a:solidFill>
+                <a:highlight>
+                  <a:srgbClr val="FFFFFF"/>
+                </a:highlight>
+                <a:latin typeface="Consolas" panose="020B0609020204030204" pitchFamily="49" charset="0"/>
+              </a:rPr>
+              <a:t> </a:t>
+            </a:r>
+          </a:p>
+          <a:p>
+            <a:r>
+              <a:rPr lang="en-US" sz="2400" dirty="0">
+                <a:solidFill>
+                  <a:srgbClr val="808080"/>
+                </a:solidFill>
+                <a:highlight>
+                  <a:srgbClr val="FFFFFF"/>
+                </a:highlight>
+                <a:latin typeface="Consolas" panose="020B0609020204030204" pitchFamily="49" charset="0"/>
+              </a:rPr>
+              <a:t>AND</a:t>
+            </a:r>
+            <a:r>
+              <a:rPr lang="en-US" sz="2400" dirty="0">
+                <a:solidFill>
+                  <a:srgbClr val="000000"/>
+                </a:solidFill>
+                <a:highlight>
+                  <a:srgbClr val="FFFFFF"/>
+                </a:highlight>
+                <a:latin typeface="Consolas" panose="020B0609020204030204" pitchFamily="49" charset="0"/>
+              </a:rPr>
+              <a:t> </a:t>
+            </a:r>
+            <a:r>
+              <a:rPr lang="en-US" sz="2400" dirty="0" err="1">
+                <a:solidFill>
+                  <a:srgbClr val="000000"/>
+                </a:solidFill>
+                <a:highlight>
+                  <a:srgbClr val="FFFFFF"/>
+                </a:highlight>
+                <a:latin typeface="Consolas" panose="020B0609020204030204" pitchFamily="49" charset="0"/>
+              </a:rPr>
+              <a:t>AppSizeInKb</a:t>
+            </a:r>
+            <a:r>
+              <a:rPr lang="en-US" sz="2400" dirty="0">
+                <a:solidFill>
+                  <a:srgbClr val="808080"/>
+                </a:solidFill>
+                <a:highlight>
+                  <a:srgbClr val="FFFFFF"/>
+                </a:highlight>
+                <a:latin typeface="Consolas" panose="020B0609020204030204" pitchFamily="49" charset="0"/>
+              </a:rPr>
+              <a:t>&gt;</a:t>
+            </a:r>
+            <a:r>
+              <a:rPr lang="en-US" sz="2400" dirty="0">
+                <a:solidFill>
+                  <a:srgbClr val="000000"/>
+                </a:solidFill>
+                <a:highlight>
+                  <a:srgbClr val="FFFFFF"/>
+                </a:highlight>
+                <a:latin typeface="Consolas" panose="020B0609020204030204" pitchFamily="49" charset="0"/>
+              </a:rPr>
+              <a:t>30000</a:t>
+            </a:r>
+          </a:p>
+          <a:p>
+            <a:r>
+              <a:rPr lang="en-US" sz="2400" dirty="0">
+                <a:solidFill>
+                  <a:srgbClr val="808080"/>
+                </a:solidFill>
+                <a:highlight>
+                  <a:srgbClr val="FFFFFF"/>
+                </a:highlight>
+                <a:latin typeface="Consolas" panose="020B0609020204030204" pitchFamily="49" charset="0"/>
+              </a:rPr>
+              <a:t>AND</a:t>
+            </a:r>
+            <a:r>
+              <a:rPr lang="en-US" sz="2400" dirty="0">
+                <a:solidFill>
+                  <a:srgbClr val="000000"/>
+                </a:solidFill>
+                <a:highlight>
+                  <a:srgbClr val="FFFFFF"/>
+                </a:highlight>
+                <a:latin typeface="Consolas" panose="020B0609020204030204" pitchFamily="49" charset="0"/>
+              </a:rPr>
+              <a:t> </a:t>
+            </a:r>
+            <a:r>
+              <a:rPr lang="en-US" sz="2400" dirty="0" err="1">
+                <a:solidFill>
+                  <a:srgbClr val="000000"/>
+                </a:solidFill>
+                <a:highlight>
+                  <a:srgbClr val="FFFFFF"/>
+                </a:highlight>
+                <a:latin typeface="Consolas" panose="020B0609020204030204" pitchFamily="49" charset="0"/>
+              </a:rPr>
+              <a:t>AppCategory</a:t>
+            </a:r>
+            <a:r>
+              <a:rPr lang="en-US" sz="2400" dirty="0">
+                <a:solidFill>
+                  <a:srgbClr val="000000"/>
+                </a:solidFill>
+                <a:highlight>
+                  <a:srgbClr val="FFFFFF"/>
+                </a:highlight>
+                <a:latin typeface="Consolas" panose="020B0609020204030204" pitchFamily="49" charset="0"/>
+              </a:rPr>
+              <a:t> </a:t>
+            </a:r>
+            <a:r>
+              <a:rPr lang="en-US" sz="2400" dirty="0">
+                <a:solidFill>
+                  <a:srgbClr val="808080"/>
+                </a:solidFill>
+                <a:highlight>
+                  <a:srgbClr val="FFFFFF"/>
+                </a:highlight>
+                <a:latin typeface="Consolas" panose="020B0609020204030204" pitchFamily="49" charset="0"/>
+              </a:rPr>
+              <a:t>=</a:t>
+            </a:r>
+            <a:r>
+              <a:rPr lang="en-US" sz="2400" dirty="0">
+                <a:solidFill>
+                  <a:srgbClr val="000000"/>
+                </a:solidFill>
+                <a:highlight>
+                  <a:srgbClr val="FFFFFF"/>
+                </a:highlight>
+                <a:latin typeface="Consolas" panose="020B0609020204030204" pitchFamily="49" charset="0"/>
+              </a:rPr>
+              <a:t> </a:t>
+            </a:r>
+            <a:r>
+              <a:rPr lang="en-US" sz="2400" dirty="0">
+                <a:solidFill>
+                  <a:srgbClr val="FF0000"/>
+                </a:solidFill>
+                <a:highlight>
+                  <a:srgbClr val="FFFFFF"/>
+                </a:highlight>
+                <a:latin typeface="Consolas" panose="020B0609020204030204" pitchFamily="49" charset="0"/>
+              </a:rPr>
+              <a:t>'GAME'</a:t>
+            </a:r>
+            <a:endParaRPr lang="en-US" sz="2400" dirty="0">
+              <a:solidFill>
+                <a:srgbClr val="000000"/>
+              </a:solidFill>
+              <a:highlight>
+                <a:srgbClr val="FFFFFF"/>
+              </a:highlight>
+              <a:latin typeface="Consolas" panose="020B0609020204030204" pitchFamily="49" charset="0"/>
+            </a:endParaRPr>
+          </a:p>
+          <a:p>
+            <a:r>
+              <a:rPr lang="en-US" sz="2400" dirty="0">
+                <a:solidFill>
+                  <a:srgbClr val="0000FF"/>
+                </a:solidFill>
+                <a:highlight>
+                  <a:srgbClr val="FFFFFF"/>
+                </a:highlight>
+                <a:latin typeface="Consolas" panose="020B0609020204030204" pitchFamily="49" charset="0"/>
+              </a:rPr>
+              <a:t>ORDER</a:t>
+            </a:r>
+            <a:r>
+              <a:rPr lang="en-US" sz="2400" dirty="0">
+                <a:solidFill>
+                  <a:srgbClr val="000000"/>
+                </a:solidFill>
+                <a:highlight>
+                  <a:srgbClr val="FFFFFF"/>
+                </a:highlight>
+                <a:latin typeface="Consolas" panose="020B0609020204030204" pitchFamily="49" charset="0"/>
+              </a:rPr>
+              <a:t> </a:t>
+            </a:r>
+            <a:r>
+              <a:rPr lang="en-US" sz="2400" dirty="0">
+                <a:solidFill>
+                  <a:srgbClr val="0000FF"/>
+                </a:solidFill>
+                <a:highlight>
+                  <a:srgbClr val="FFFFFF"/>
+                </a:highlight>
+                <a:latin typeface="Consolas" panose="020B0609020204030204" pitchFamily="49" charset="0"/>
+              </a:rPr>
+              <a:t>BY </a:t>
+            </a:r>
+            <a:r>
+              <a:rPr lang="en-US" sz="2400" dirty="0">
+                <a:solidFill>
+                  <a:srgbClr val="808080"/>
+                </a:solidFill>
+                <a:highlight>
+                  <a:srgbClr val="FFFFFF"/>
+                </a:highlight>
+                <a:latin typeface="Consolas" panose="020B0609020204030204" pitchFamily="49" charset="0"/>
+              </a:rPr>
+              <a:t>(</a:t>
+            </a:r>
+            <a:r>
+              <a:rPr lang="en-US" sz="2400" dirty="0" err="1">
+                <a:solidFill>
+                  <a:srgbClr val="000000"/>
+                </a:solidFill>
+                <a:highlight>
+                  <a:srgbClr val="FFFFFF"/>
+                </a:highlight>
+                <a:latin typeface="Consolas" panose="020B0609020204030204" pitchFamily="49" charset="0"/>
+              </a:rPr>
+              <a:t>AppRating</a:t>
+            </a:r>
+            <a:r>
+              <a:rPr lang="en-US" sz="2400" dirty="0">
+                <a:solidFill>
+                  <a:srgbClr val="808080"/>
+                </a:solidFill>
+                <a:highlight>
+                  <a:srgbClr val="FFFFFF"/>
+                </a:highlight>
+                <a:latin typeface="Consolas" panose="020B0609020204030204" pitchFamily="49" charset="0"/>
+              </a:rPr>
+              <a:t>*</a:t>
+            </a:r>
+            <a:r>
+              <a:rPr lang="en-US" sz="2400" dirty="0" err="1">
+                <a:solidFill>
+                  <a:srgbClr val="000000"/>
+                </a:solidFill>
+                <a:highlight>
+                  <a:srgbClr val="FFFFFF"/>
+                </a:highlight>
+                <a:latin typeface="Consolas" panose="020B0609020204030204" pitchFamily="49" charset="0"/>
+              </a:rPr>
+              <a:t>AppReviews</a:t>
+            </a:r>
+            <a:r>
+              <a:rPr lang="en-US" sz="2400" dirty="0">
+                <a:solidFill>
+                  <a:srgbClr val="808080"/>
+                </a:solidFill>
+                <a:highlight>
+                  <a:srgbClr val="FFFFFF"/>
+                </a:highlight>
+                <a:latin typeface="Consolas" panose="020B0609020204030204" pitchFamily="49" charset="0"/>
+              </a:rPr>
+              <a:t>)</a:t>
+            </a:r>
+            <a:r>
+              <a:rPr lang="en-US" sz="2400" dirty="0">
+                <a:solidFill>
+                  <a:srgbClr val="000000"/>
+                </a:solidFill>
+                <a:highlight>
+                  <a:srgbClr val="FFFFFF"/>
+                </a:highlight>
+                <a:latin typeface="Consolas" panose="020B0609020204030204" pitchFamily="49" charset="0"/>
+              </a:rPr>
+              <a:t> </a:t>
+            </a:r>
+            <a:r>
+              <a:rPr lang="en-US" sz="2400" dirty="0">
+                <a:solidFill>
+                  <a:srgbClr val="0000FF"/>
+                </a:solidFill>
+                <a:highlight>
+                  <a:srgbClr val="FFFFFF"/>
+                </a:highlight>
+                <a:latin typeface="Consolas" panose="020B0609020204030204" pitchFamily="49" charset="0"/>
+              </a:rPr>
+              <a:t>DESC</a:t>
+            </a:r>
+            <a:endParaRPr lang="en-US" dirty="0"/>
+          </a:p>
+        </p:txBody>
+      </p:sp>
+    </p:spTree>
+    <p:extLst>
+      <p:ext uri="{BB962C8B-B14F-4D97-AF65-F5344CB8AC3E}">
+        <p14:creationId xmlns:p14="http://schemas.microsoft.com/office/powerpoint/2010/main" val="2459079141"/>
+      </p:ext>
+    </p:extLst>
+  </p:cSld>
+  <p:clrMapOvr>
+    <a:masterClrMapping/>
+  </p:clrMapOvr>
+  <mc:AlternateContent xmlns:mc="http://schemas.openxmlformats.org/markup-compatibility/2006" xmlns:p14="http://schemas.microsoft.com/office/powerpoint/2010/main">
+    <mc:Choice Requires="p14">
+      <p:transition spd="med" p14:dur="700">
+        <p:fade/>
+      </p:transition>
+    </mc:Choice>
+    <mc:Fallback xmlns="">
+      <p:transition spd="med">
+        <p:fade/>
+      </p:transition>
+    </mc:Fallback>
+  </mc:AlternateContent>
+</p:sld>
+</file>
+
+<file path=ppt/slides/slide5.xml><?xml version="1.0" encoding="utf-8"?>
+<p:sld xmlns:a="http://schemas.openxmlformats.org/drawingml/2006/main" xmlns:r="http://schemas.openxmlformats.org/officeDocument/2006/relationships" xmlns:p="http://schemas.openxmlformats.org/presentationml/2006/main">
+  <p:cSld>
+    <p:spTree>
+      <p:nvGrpSpPr>
+        <p:cNvPr id="1" name=""/>
+        <p:cNvGrpSpPr/>
+        <p:nvPr/>
+      </p:nvGrpSpPr>
+      <p:grpSpPr>
+        <a:xfrm>
+          <a:off x="0" y="0"/>
+          <a:ext cx="0" cy="0"/>
+          <a:chOff x="0" y="0"/>
+          <a:chExt cx="0" cy="0"/>
+        </a:xfrm>
+      </p:grpSpPr>
+      <p:sp>
+        <p:nvSpPr>
+          <p:cNvPr id="2" name="Title 1">
+            <a:extLst>
+              <a:ext uri="{FF2B5EF4-FFF2-40B4-BE49-F238E27FC236}">
+                <a16:creationId xmlns:a16="http://schemas.microsoft.com/office/drawing/2014/main" id="{58FD2563-21FA-4952-AA97-B9DD875D55D4}"/>
+              </a:ext>
+            </a:extLst>
+          </p:cNvPr>
+          <p:cNvSpPr>
+            <a:spLocks noGrp="1"/>
+          </p:cNvSpPr>
+          <p:nvPr>
+            <p:ph type="title"/>
+          </p:nvPr>
+        </p:nvSpPr>
+        <p:spPr/>
+        <p:txBody>
+          <a:bodyPr/>
+          <a:lstStyle/>
+          <a:p>
+            <a:r>
+              <a:rPr lang="it-IT" dirty="0"/>
+              <a:t>Scenario</a:t>
+            </a:r>
+            <a:endParaRPr lang="en-US" dirty="0"/>
+          </a:p>
+        </p:txBody>
+      </p:sp>
+      <p:sp>
+        <p:nvSpPr>
+          <p:cNvPr id="3" name="Content Placeholder 2">
+            <a:extLst>
+              <a:ext uri="{FF2B5EF4-FFF2-40B4-BE49-F238E27FC236}">
+                <a16:creationId xmlns:a16="http://schemas.microsoft.com/office/drawing/2014/main" id="{043793D4-AD36-4814-803D-DC1C105A5BFF}"/>
+              </a:ext>
+            </a:extLst>
+          </p:cNvPr>
+          <p:cNvSpPr>
+            <a:spLocks noGrp="1"/>
+          </p:cNvSpPr>
+          <p:nvPr>
+            <p:ph sz="quarter" idx="10"/>
+          </p:nvPr>
+        </p:nvSpPr>
+        <p:spPr>
+          <a:xfrm>
+            <a:off x="584200" y="1435100"/>
+            <a:ext cx="11018838" cy="4628960"/>
+          </a:xfrm>
+        </p:spPr>
+        <p:txBody>
+          <a:bodyPr/>
+          <a:lstStyle/>
+          <a:p>
+            <a:r>
+              <a:rPr lang="it-IT" sz="3200" dirty="0"/>
+              <a:t>Working on an open dataset (taken on Kaggle)</a:t>
+            </a:r>
+          </a:p>
+          <a:p>
+            <a:r>
+              <a:rPr lang="it-IT" sz="3200" dirty="0"/>
+              <a:t>S</a:t>
+            </a:r>
+            <a:r>
+              <a:rPr lang="en-US" sz="3200" dirty="0" err="1"/>
+              <a:t>plitted</a:t>
+            </a:r>
+            <a:r>
+              <a:rPr lang="en-US" sz="3200" dirty="0"/>
+              <a:t> by “virtual tenant”</a:t>
+            </a:r>
+          </a:p>
+          <a:p>
+            <a:r>
+              <a:rPr lang="en-US" sz="3200" dirty="0"/>
+              <a:t>Cleaned and published into 2 separate DBs</a:t>
+            </a:r>
+          </a:p>
+          <a:p>
+            <a:r>
+              <a:rPr lang="it-IT" sz="3200" dirty="0"/>
+              <a:t>Make the relational data available for search</a:t>
+            </a:r>
+          </a:p>
+          <a:p>
+            <a:r>
+              <a:rPr lang="it-IT" sz="3200" dirty="0"/>
+              <a:t>In a consolidated, single-point of view</a:t>
+            </a:r>
+          </a:p>
+          <a:p>
+            <a:r>
+              <a:rPr lang="it-IT" sz="3200" dirty="0"/>
+              <a:t>With advanced search features (i.e. relevance sort)</a:t>
+            </a:r>
+          </a:p>
+          <a:p>
+            <a:r>
+              <a:rPr lang="it-IT" sz="3200" dirty="0"/>
+              <a:t>Available via APIs</a:t>
+            </a:r>
+            <a:endParaRPr lang="en-US" sz="3200" dirty="0"/>
+          </a:p>
+          <a:p>
+            <a:endParaRPr lang="en-US" sz="3200" dirty="0"/>
+          </a:p>
+        </p:txBody>
+      </p:sp>
+    </p:spTree>
+    <p:extLst>
+      <p:ext uri="{BB962C8B-B14F-4D97-AF65-F5344CB8AC3E}">
+        <p14:creationId xmlns:p14="http://schemas.microsoft.com/office/powerpoint/2010/main" val="2067281051"/>
+      </p:ext>
+    </p:extLst>
+  </p:cSld>
+  <p:clrMapOvr>
+    <a:masterClrMapping/>
+  </p:clrMapOvr>
+  <p:transition>
+    <p:fade/>
+  </p:transition>
+</p:sld>
+</file>
+
+<file path=ppt/slides/slide6.xml><?xml version="1.0" encoding="utf-8"?>
+<p:sld xmlns:a="http://schemas.openxmlformats.org/drawingml/2006/main" xmlns:r="http://schemas.openxmlformats.org/officeDocument/2006/relationships" xmlns:p="http://schemas.openxmlformats.org/presentationml/2006/main">
+  <p:cSld>
+    <p:spTree>
+      <p:nvGrpSpPr>
+        <p:cNvPr id="1" name=""/>
+        <p:cNvGrpSpPr/>
+        <p:nvPr/>
+      </p:nvGrpSpPr>
+      <p:grpSpPr>
+        <a:xfrm>
+          <a:off x="0" y="0"/>
+          <a:ext cx="0" cy="0"/>
+          <a:chOff x="0" y="0"/>
+          <a:chExt cx="0" cy="0"/>
+        </a:xfrm>
+      </p:grpSpPr>
+      <p:sp>
+        <p:nvSpPr>
+          <p:cNvPr id="2" name="Title 1">
+            <a:extLst>
+              <a:ext uri="{FF2B5EF4-FFF2-40B4-BE49-F238E27FC236}">
+                <a16:creationId xmlns:a16="http://schemas.microsoft.com/office/drawing/2014/main" id="{72E5750E-1C6F-48FB-A701-49FB143FB55C}"/>
+              </a:ext>
+            </a:extLst>
+          </p:cNvPr>
+          <p:cNvSpPr>
+            <a:spLocks noGrp="1"/>
+          </p:cNvSpPr>
+          <p:nvPr>
+            <p:ph type="title"/>
+          </p:nvPr>
+        </p:nvSpPr>
+        <p:spPr/>
+        <p:txBody>
+          <a:bodyPr/>
+          <a:lstStyle/>
+          <a:p>
+            <a:r>
+              <a:rPr lang="it-IT" dirty="0"/>
+              <a:t>Demo</a:t>
+            </a:r>
+            <a:endParaRPr lang="en-US" dirty="0"/>
+          </a:p>
+        </p:txBody>
+      </p:sp>
+      <p:sp>
+        <p:nvSpPr>
+          <p:cNvPr id="3" name="Text Placeholder 2">
+            <a:extLst>
+              <a:ext uri="{FF2B5EF4-FFF2-40B4-BE49-F238E27FC236}">
+                <a16:creationId xmlns:a16="http://schemas.microsoft.com/office/drawing/2014/main" id="{9B049480-EC04-4533-B3AE-D88ACC8E6020}"/>
+              </a:ext>
+            </a:extLst>
+          </p:cNvPr>
+          <p:cNvSpPr>
+            <a:spLocks noGrp="1"/>
+          </p:cNvSpPr>
+          <p:nvPr>
+            <p:ph type="body" sz="quarter" idx="12"/>
+          </p:nvPr>
+        </p:nvSpPr>
+        <p:spPr/>
+        <p:txBody>
+          <a:bodyPr/>
+          <a:lstStyle/>
+          <a:p>
+            <a:endParaRPr lang="en-US"/>
+          </a:p>
+        </p:txBody>
+      </p:sp>
+    </p:spTree>
+    <p:extLst>
+      <p:ext uri="{BB962C8B-B14F-4D97-AF65-F5344CB8AC3E}">
+        <p14:creationId xmlns:p14="http://schemas.microsoft.com/office/powerpoint/2010/main" val="3218552100"/>
+      </p:ext>
+    </p:extLst>
+  </p:cSld>
+  <p:clrMapOvr>
+    <a:masterClrMapping/>
+  </p:clrMapOvr>
+  <mc:AlternateContent xmlns:mc="http://schemas.openxmlformats.org/markup-compatibility/2006" xmlns:p14="http://schemas.microsoft.com/office/powerpoint/2010/main">
+    <mc:Choice Requires="p14">
+      <p:transition spd="med" p14:dur="700">
+        <p:fade/>
+      </p:transition>
+    </mc:Choice>
+    <mc:Fallback xmlns="">
+      <p:transition spd="med">
+        <p:fade/>
+      </p:transition>
+    </mc:Fallback>
+  </mc:AlternateContent>
+</p:sld>
+</file>
+
+<file path=ppt/slides/slide7.xml><?xml version="1.0" encoding="utf-8"?>
+<p:sld xmlns:a="http://schemas.openxmlformats.org/drawingml/2006/main" xmlns:r="http://schemas.openxmlformats.org/officeDocument/2006/relationships" xmlns:p="http://schemas.openxmlformats.org/presentationml/2006/main">
+  <p:cSld>
+    <p:spTree>
+      <p:nvGrpSpPr>
+        <p:cNvPr id="1" name=""/>
+        <p:cNvGrpSpPr/>
+        <p:nvPr/>
+      </p:nvGrpSpPr>
+      <p:grpSpPr>
+        <a:xfrm>
+          <a:off x="0" y="0"/>
+          <a:ext cx="0" cy="0"/>
+          <a:chOff x="0" y="0"/>
+          <a:chExt cx="0" cy="0"/>
+        </a:xfrm>
+      </p:grpSpPr>
+      <p:sp>
+        <p:nvSpPr>
           <p:cNvPr id="4" name="Title 3">
             <a:extLst>
               <a:ext uri="{FF2B5EF4-FFF2-40B4-BE49-F238E27FC236}">
@@ -37161,25 +38230,6 @@
 </file>
 
 <file path=customXml/item1.xml><?xml version="1.0" encoding="utf-8"?>
-<?mso-contentType ?>
-<FormTemplates xmlns="http://schemas.microsoft.com/sharepoint/v3/contenttype/forms">
-  <Display>DocumentLibraryForm</Display>
-  <Edit>DocumentLibraryForm</Edit>
-  <New>DocumentLibraryForm</New>
-</FormTemplates>
-</file>
-
-<file path=customXml/item2.xml><?xml version="1.0" encoding="utf-8"?>
-<p:properties xmlns:p="http://schemas.microsoft.com/office/2006/metadata/properties" xmlns:xsi="http://www.w3.org/2001/XMLSchema-instance" xmlns:pc="http://schemas.microsoft.com/office/infopath/2007/PartnerControls">
-  <documentManagement>
-    <_ip_UnifiedCompliancePolicyUIAction xmlns="http://schemas.microsoft.com/sharepoint/v3" xsi:nil="true"/>
-    <_ip_UnifiedCompliancePolicyProperties xmlns="http://schemas.microsoft.com/sharepoint/v3" xsi:nil="true"/>
-    <MediaServiceKeyPoints xmlns="e4aa919a-b200-49cb-beca-4c7e0810321e" xsi:nil="true"/>
-  </documentManagement>
-</p:properties>
-</file>
-
-<file path=customXml/item3.xml><?xml version="1.0" encoding="utf-8"?>
 <ct:contentTypeSchema xmlns:ct="http://schemas.microsoft.com/office/2006/metadata/contentType" xmlns:ma="http://schemas.microsoft.com/office/2006/metadata/properties/metaAttributes" ct:_="" ma:_="" ma:contentTypeName="Document" ma:contentTypeID="0x010100778A2EBC6E34694C80F43E94FCA993B5" ma:contentTypeVersion="14" ma:contentTypeDescription="Create a new document." ma:contentTypeScope="" ma:versionID="1a7ced39ac191f9ec8deffde533b0c1c">
   <xsd:schema xmlns:xsd="http://www.w3.org/2001/XMLSchema" xmlns:xs="http://www.w3.org/2001/XMLSchema" xmlns:p="http://schemas.microsoft.com/office/2006/metadata/properties" xmlns:ns1="http://schemas.microsoft.com/sharepoint/v3" xmlns:ns2="e4aa919a-b200-49cb-beca-4c7e0810321e" xmlns:ns3="06670dda-0291-4061-b6e0-f6c0cb392c51" targetNamespace="http://schemas.microsoft.com/office/2006/metadata/properties" ma:root="true" ma:fieldsID="bedea8c8816a4e5934c808becd103583" ns1:_="" ns2:_="" ns3:_="">
     <xsd:import namespace="http://schemas.microsoft.com/sharepoint/v3"/>
@@ -37413,10 +38463,41 @@
 </ct:contentTypeSchema>
 </file>
 
+<file path=customXml/item2.xml><?xml version="1.0" encoding="utf-8"?>
+<p:properties xmlns:p="http://schemas.microsoft.com/office/2006/metadata/properties" xmlns:xsi="http://www.w3.org/2001/XMLSchema-instance" xmlns:pc="http://schemas.microsoft.com/office/infopath/2007/PartnerControls">
+  <documentManagement>
+    <_ip_UnifiedCompliancePolicyUIAction xmlns="http://schemas.microsoft.com/sharepoint/v3" xsi:nil="true"/>
+    <_ip_UnifiedCompliancePolicyProperties xmlns="http://schemas.microsoft.com/sharepoint/v3" xsi:nil="true"/>
+    <MediaServiceKeyPoints xmlns="e4aa919a-b200-49cb-beca-4c7e0810321e" xsi:nil="true"/>
+  </documentManagement>
+</p:properties>
+</file>
+
+<file path=customXml/item3.xml><?xml version="1.0" encoding="utf-8"?>
+<?mso-contentType ?>
+<FormTemplates xmlns="http://schemas.microsoft.com/sharepoint/v3/contenttype/forms">
+  <Display>DocumentLibraryForm</Display>
+  <Edit>DocumentLibraryForm</Edit>
+  <New>DocumentLibraryForm</New>
+</FormTemplates>
+</file>
+
 <file path=customXml/itemProps1.xml><?xml version="1.0" encoding="utf-8"?>
-<ds:datastoreItem xmlns:ds="http://schemas.openxmlformats.org/officeDocument/2006/customXml" ds:itemID="{758FDAC0-319D-4A54-8D8E-1D42CB1F8004}">
+<ds:datastoreItem xmlns:ds="http://schemas.openxmlformats.org/officeDocument/2006/customXml" ds:itemID="{0BB3C309-8520-4616-80FC-2CB10D5B83A0}">
   <ds:schemaRefs>
-    <ds:schemaRef ds:uri="http://schemas.microsoft.com/sharepoint/v3/contenttype/forms"/>
+    <ds:schemaRef ds:uri="http://schemas.microsoft.com/office/2006/metadata/contentType"/>
+    <ds:schemaRef ds:uri="http://schemas.microsoft.com/office/2006/metadata/properties/metaAttributes"/>
+    <ds:schemaRef ds:uri="http://www.w3.org/2001/XMLSchema"/>
+    <ds:schemaRef ds:uri="http://schemas.microsoft.com/office/2006/metadata/properties"/>
+    <ds:schemaRef ds:uri="http://schemas.microsoft.com/sharepoint/v3"/>
+    <ds:schemaRef ds:uri="e4aa919a-b200-49cb-beca-4c7e0810321e"/>
+    <ds:schemaRef ds:uri="06670dda-0291-4061-b6e0-f6c0cb392c51"/>
+    <ds:schemaRef ds:uri="http://schemas.microsoft.com/office/2006/documentManagement/types"/>
+    <ds:schemaRef ds:uri="http://schemas.microsoft.com/office/infopath/2007/PartnerControls"/>
+    <ds:schemaRef ds:uri="http://schemas.openxmlformats.org/package/2006/metadata/core-properties"/>
+    <ds:schemaRef ds:uri="http://purl.org/dc/elements/1.1/"/>
+    <ds:schemaRef ds:uri="http://purl.org/dc/terms/"/>
+    <ds:schemaRef ds:uri="http://schemas.microsoft.com/internal/obd"/>
   </ds:schemaRefs>
 </ds:datastoreItem>
 </file>
@@ -37440,21 +38521,9 @@
 </file>
 
 <file path=customXml/itemProps3.xml><?xml version="1.0" encoding="utf-8"?>
-<ds:datastoreItem xmlns:ds="http://schemas.openxmlformats.org/officeDocument/2006/customXml" ds:itemID="{0BB3C309-8520-4616-80FC-2CB10D5B83A0}">
+<ds:datastoreItem xmlns:ds="http://schemas.openxmlformats.org/officeDocument/2006/customXml" ds:itemID="{758FDAC0-319D-4A54-8D8E-1D42CB1F8004}">
   <ds:schemaRefs>
-    <ds:schemaRef ds:uri="http://schemas.microsoft.com/office/2006/metadata/contentType"/>
-    <ds:schemaRef ds:uri="http://schemas.microsoft.com/office/2006/metadata/properties/metaAttributes"/>
-    <ds:schemaRef ds:uri="http://www.w3.org/2001/XMLSchema"/>
-    <ds:schemaRef ds:uri="http://schemas.microsoft.com/office/2006/metadata/properties"/>
-    <ds:schemaRef ds:uri="http://schemas.microsoft.com/sharepoint/v3"/>
-    <ds:schemaRef ds:uri="e4aa919a-b200-49cb-beca-4c7e0810321e"/>
-    <ds:schemaRef ds:uri="06670dda-0291-4061-b6e0-f6c0cb392c51"/>
-    <ds:schemaRef ds:uri="http://schemas.microsoft.com/office/2006/documentManagement/types"/>
-    <ds:schemaRef ds:uri="http://schemas.microsoft.com/office/infopath/2007/PartnerControls"/>
-    <ds:schemaRef ds:uri="http://schemas.openxmlformats.org/package/2006/metadata/core-properties"/>
-    <ds:schemaRef ds:uri="http://purl.org/dc/elements/1.1/"/>
-    <ds:schemaRef ds:uri="http://purl.org/dc/terms/"/>
-    <ds:schemaRef ds:uri="http://schemas.microsoft.com/internal/obd"/>
+    <ds:schemaRef ds:uri="http://schemas.microsoft.com/sharepoint/v3/contenttype/forms"/>
   </ds:schemaRefs>
 </ds:datastoreItem>
 </file>